--- a/ISPN-Claude-POC-Board-Presentation.pptx
+++ b/ISPN-Claude-POC-Board-Presentation.pptx
@@ -5843,7 +5843,7 @@
                   <a:srgbClr val="1C2833"/>
                 </a:solidFill>
               </a:rPr>
-              <a:t>Scott Lauber - Chief Technology Officer</a:t>
+              <a:t>Scott Lauber - President &amp; CFO</a:t>
             </a:r>
             <a:endParaRPr lang="en-US" sz="3200" dirty="0"/>
           </a:p>
@@ -8144,7 +8144,7 @@
                             <a:srgbClr val="000000"/>
                           </a:solidFill>
                         </a:rPr>
-                        <a:t>Scott Lauber (CTO)</a:t>
+                        <a:t>Scott Lauber (President &amp; CFO)</a:t>
                       </a:r>
                       <a:endParaRPr lang="en-US" sz="1300" dirty="0"/>
                     </a:p>
